--- a/Projeto I9.pptx
+++ b/Projeto I9.pptx
@@ -2,7 +2,7 @@
 <file path=ppt/presentation.xml><?xml version="1.0" encoding="utf-8"?>
 <p:presentation xmlns:a="http://schemas.openxmlformats.org/drawingml/2006/main" xmlns:r="http://schemas.openxmlformats.org/officeDocument/2006/relationships" xmlns:p="http://schemas.openxmlformats.org/presentationml/2006/main" saveSubsetFonts="1">
   <p:sldMasterIdLst>
-    <p:sldMasterId id="2147483936" r:id="rId1"/>
+    <p:sldMasterId id="2147483960" r:id="rId1"/>
   </p:sldMasterIdLst>
   <p:sldIdLst>
     <p:sldId id="256" r:id="rId2"/>
@@ -301,7 +301,7 @@
           <a:p>
             <a:fld id="{D146345C-3133-46FF-81DA-DD5B788A4D26}" type="datetimeFigureOut">
               <a:rPr lang="pt-BR" smtClean="0"/>
-              <a:t>04/06/2019</a:t>
+              <a:t>05/06/2019</a:t>
             </a:fld>
             <a:endParaRPr lang="pt-BR"/>
           </a:p>
@@ -466,7 +466,7 @@
           <a:p>
             <a:fld id="{D146345C-3133-46FF-81DA-DD5B788A4D26}" type="datetimeFigureOut">
               <a:rPr lang="pt-BR" smtClean="0"/>
-              <a:t>04/06/2019</a:t>
+              <a:t>05/06/2019</a:t>
             </a:fld>
             <a:endParaRPr lang="pt-BR"/>
           </a:p>
@@ -641,7 +641,7 @@
           <a:p>
             <a:fld id="{D146345C-3133-46FF-81DA-DD5B788A4D26}" type="datetimeFigureOut">
               <a:rPr lang="pt-BR" smtClean="0"/>
-              <a:t>04/06/2019</a:t>
+              <a:t>05/06/2019</a:t>
             </a:fld>
             <a:endParaRPr lang="pt-BR"/>
           </a:p>
@@ -824,7 +824,7 @@
           <a:p>
             <a:fld id="{D146345C-3133-46FF-81DA-DD5B788A4D26}" type="datetimeFigureOut">
               <a:rPr lang="pt-BR" smtClean="0"/>
-              <a:t>04/06/2019</a:t>
+              <a:t>05/06/2019</a:t>
             </a:fld>
             <a:endParaRPr lang="pt-BR"/>
           </a:p>
@@ -1086,7 +1086,7 @@
           <a:p>
             <a:fld id="{D146345C-3133-46FF-81DA-DD5B788A4D26}" type="datetimeFigureOut">
               <a:rPr lang="pt-BR" smtClean="0"/>
-              <a:t>04/06/2019</a:t>
+              <a:t>05/06/2019</a:t>
             </a:fld>
             <a:endParaRPr lang="pt-BR"/>
           </a:p>
@@ -1434,7 +1434,7 @@
           <a:p>
             <a:fld id="{D146345C-3133-46FF-81DA-DD5B788A4D26}" type="datetimeFigureOut">
               <a:rPr lang="pt-BR" smtClean="0"/>
-              <a:t>04/06/2019</a:t>
+              <a:t>05/06/2019</a:t>
             </a:fld>
             <a:endParaRPr lang="pt-BR"/>
           </a:p>
@@ -1742,7 +1742,7 @@
           <a:p>
             <a:fld id="{D146345C-3133-46FF-81DA-DD5B788A4D26}" type="datetimeFigureOut">
               <a:rPr lang="pt-BR" smtClean="0"/>
-              <a:t>04/06/2019</a:t>
+              <a:t>05/06/2019</a:t>
             </a:fld>
             <a:endParaRPr lang="pt-BR"/>
           </a:p>
@@ -1969,7 +1969,7 @@
           <a:p>
             <a:fld id="{D146345C-3133-46FF-81DA-DD5B788A4D26}" type="datetimeFigureOut">
               <a:rPr lang="pt-BR" smtClean="0"/>
-              <a:t>04/06/2019</a:t>
+              <a:t>05/06/2019</a:t>
             </a:fld>
             <a:endParaRPr lang="pt-BR"/>
           </a:p>
@@ -2059,7 +2059,7 @@
           <a:p>
             <a:fld id="{D146345C-3133-46FF-81DA-DD5B788A4D26}" type="datetimeFigureOut">
               <a:rPr lang="pt-BR" smtClean="0"/>
-              <a:t>04/06/2019</a:t>
+              <a:t>05/06/2019</a:t>
             </a:fld>
             <a:endParaRPr lang="pt-BR"/>
           </a:p>
@@ -2347,7 +2347,7 @@
           <a:p>
             <a:fld id="{D146345C-3133-46FF-81DA-DD5B788A4D26}" type="datetimeFigureOut">
               <a:rPr lang="pt-BR" smtClean="0"/>
-              <a:t>04/06/2019</a:t>
+              <a:t>05/06/2019</a:t>
             </a:fld>
             <a:endParaRPr lang="pt-BR"/>
           </a:p>
@@ -2616,7 +2616,7 @@
           <a:p>
             <a:fld id="{D146345C-3133-46FF-81DA-DD5B788A4D26}" type="datetimeFigureOut">
               <a:rPr lang="pt-BR" smtClean="0"/>
-              <a:t>04/06/2019</a:t>
+              <a:t>05/06/2019</a:t>
             </a:fld>
             <a:endParaRPr lang="pt-BR"/>
           </a:p>
@@ -2676,9 +2676,15 @@
 <p:sldMaster xmlns:a="http://schemas.openxmlformats.org/drawingml/2006/main" xmlns:r="http://schemas.openxmlformats.org/officeDocument/2006/relationships" xmlns:p="http://schemas.openxmlformats.org/presentationml/2006/main">
   <p:cSld>
     <p:bg>
-      <p:bgRef idx="1002">
-        <a:schemeClr val="bg1"/>
-      </p:bgRef>
+      <p:bgPr>
+        <a:solidFill>
+          <a:schemeClr val="accent5">
+            <a:lumMod val="60000"/>
+            <a:lumOff val="40000"/>
+          </a:schemeClr>
+        </a:solidFill>
+        <a:effectLst/>
+      </p:bgPr>
     </p:bg>
     <p:spTree>
       <p:nvGrpSpPr>
@@ -2826,7 +2832,7 @@
           <a:p>
             <a:fld id="{D146345C-3133-46FF-81DA-DD5B788A4D26}" type="datetimeFigureOut">
               <a:rPr lang="pt-BR" smtClean="0"/>
-              <a:t>04/06/2019</a:t>
+              <a:t>05/06/2019</a:t>
             </a:fld>
             <a:endParaRPr lang="pt-BR"/>
           </a:p>
@@ -3025,17 +3031,17 @@
   </p:cSld>
   <p:clrMap bg1="lt1" tx1="dk1" bg2="lt2" tx2="dk2" accent1="accent1" accent2="accent2" accent3="accent3" accent4="accent4" accent5="accent5" accent6="accent6" hlink="hlink" folHlink="folHlink"/>
   <p:sldLayoutIdLst>
-    <p:sldLayoutId id="2147483937" r:id="rId1"/>
-    <p:sldLayoutId id="2147483938" r:id="rId2"/>
-    <p:sldLayoutId id="2147483939" r:id="rId3"/>
-    <p:sldLayoutId id="2147483940" r:id="rId4"/>
-    <p:sldLayoutId id="2147483941" r:id="rId5"/>
-    <p:sldLayoutId id="2147483942" r:id="rId6"/>
-    <p:sldLayoutId id="2147483943" r:id="rId7"/>
-    <p:sldLayoutId id="2147483944" r:id="rId8"/>
-    <p:sldLayoutId id="2147483945" r:id="rId9"/>
-    <p:sldLayoutId id="2147483946" r:id="rId10"/>
-    <p:sldLayoutId id="2147483947" r:id="rId11"/>
+    <p:sldLayoutId id="2147483961" r:id="rId1"/>
+    <p:sldLayoutId id="2147483962" r:id="rId2"/>
+    <p:sldLayoutId id="2147483963" r:id="rId3"/>
+    <p:sldLayoutId id="2147483964" r:id="rId4"/>
+    <p:sldLayoutId id="2147483965" r:id="rId5"/>
+    <p:sldLayoutId id="2147483966" r:id="rId6"/>
+    <p:sldLayoutId id="2147483967" r:id="rId7"/>
+    <p:sldLayoutId id="2147483968" r:id="rId8"/>
+    <p:sldLayoutId id="2147483969" r:id="rId9"/>
+    <p:sldLayoutId id="2147483970" r:id="rId10"/>
+    <p:sldLayoutId id="2147483971" r:id="rId11"/>
   </p:sldLayoutIdLst>
   <p:txStyles>
     <p:titleStyle>
@@ -3365,24 +3371,10 @@
           <a:lstStyle/>
           <a:p>
             <a:r>
-              <a:rPr lang="pt-BR" dirty="0" smtClean="0">
-                <a:solidFill>
-                  <a:schemeClr val="bg1">
-                    <a:lumMod val="50000"/>
-                    <a:lumOff val="50000"/>
-                  </a:schemeClr>
-                </a:solidFill>
-              </a:rPr>
+              <a:rPr lang="pt-BR" dirty="0" smtClean="0"/>
               <a:t>Projeto I9</a:t>
             </a:r>
-            <a:endParaRPr lang="pt-BR" dirty="0">
-              <a:solidFill>
-                <a:schemeClr val="bg1">
-                  <a:lumMod val="50000"/>
-                  <a:lumOff val="50000"/>
-                </a:schemeClr>
-              </a:solidFill>
-            </a:endParaRPr>
+            <a:endParaRPr lang="pt-BR" dirty="0"/>
           </a:p>
         </p:txBody>
       </p:sp>
@@ -3494,7 +3486,24 @@
           <a:bodyPr/>
           <a:lstStyle/>
           <a:p>
-            <a:endParaRPr lang="pt-BR"/>
+            <a:endParaRPr lang="pt-BR" dirty="0"/>
+          </a:p>
+          <a:p>
+            <a:endParaRPr lang="pt-BR" dirty="0"/>
+          </a:p>
+          <a:p>
+            <a:r>
+              <a:rPr lang="pt-BR" dirty="0"/>
+              <a:t>Apresentação do projeto (</a:t>
+            </a:r>
+            <a:r>
+              <a:rPr lang="pt-BR" dirty="0" smtClean="0"/>
+              <a:t>ideia</a:t>
+            </a:r>
+            <a:r>
+              <a:rPr lang="pt-BR" dirty="0"/>
+              <a:t>, objetivo, pontos fortes e pontos fracos); </a:t>
+            </a:r>
           </a:p>
         </p:txBody>
       </p:sp>
@@ -3538,15 +3547,71 @@
             <p:ph type="title"/>
           </p:nvPr>
         </p:nvSpPr>
-        <p:spPr/>
-        <p:txBody>
-          <a:bodyPr/>
-          <a:lstStyle/>
-          <a:p>
+        <p:spPr>
+          <a:xfrm>
+            <a:off x="611560" y="764704"/>
+            <a:ext cx="8229600" cy="1728192"/>
+          </a:xfrm>
+        </p:spPr>
+        <p:txBody>
+          <a:bodyPr>
+            <a:normAutofit fontScale="90000"/>
+          </a:bodyPr>
+          <a:lstStyle/>
+          <a:p>
+            <a:r>
+              <a:rPr lang="pt-BR" dirty="0"/>
+              <a:t/>
+            </a:r>
+            <a:br>
+              <a:rPr lang="pt-BR" dirty="0"/>
+            </a:br>
+            <a:r>
+              <a:rPr lang="pt-BR" dirty="0"/>
+              <a:t/>
+            </a:r>
+            <a:br>
+              <a:rPr lang="pt-BR" dirty="0"/>
+            </a:br>
             <a:r>
               <a:rPr lang="pt-BR" dirty="0" smtClean="0"/>
-              <a:t>Pontos bons e ruins</a:t>
-            </a:r>
+              <a:t/>
+            </a:r>
+            <a:br>
+              <a:rPr lang="pt-BR" dirty="0" smtClean="0"/>
+            </a:br>
+            <a:r>
+              <a:rPr lang="pt-BR" dirty="0"/>
+              <a:t/>
+            </a:r>
+            <a:br>
+              <a:rPr lang="pt-BR" dirty="0"/>
+            </a:br>
+            <a:r>
+              <a:rPr lang="pt-BR" dirty="0" smtClean="0"/>
+              <a:t/>
+            </a:r>
+            <a:br>
+              <a:rPr lang="pt-BR" dirty="0" smtClean="0"/>
+            </a:br>
+            <a:r>
+              <a:rPr lang="pt-BR" dirty="0"/>
+              <a:t/>
+            </a:r>
+            <a:br>
+              <a:rPr lang="pt-BR" dirty="0"/>
+            </a:br>
+            <a:r>
+              <a:rPr lang="pt-BR" dirty="0" smtClean="0"/>
+              <a:t>Benefícios </a:t>
+            </a:r>
+            <a:r>
+              <a:rPr lang="pt-BR" dirty="0"/>
+              <a:t>do projeto para os usuários. </a:t>
+            </a:r>
+            <a:br>
+              <a:rPr lang="pt-BR" dirty="0"/>
+            </a:br>
             <a:endParaRPr lang="pt-BR" dirty="0"/>
           </a:p>
         </p:txBody>
